--- a/documentation/CAEX30/CAEX30-Metamodel-Documentation.pptx
+++ b/documentation/CAEX30/CAEX30-Metamodel-Documentation.pptx
@@ -252,7 +252,7 @@
           <a:p>
             <a:fld id="{E76C5E42-C277-4BC7-A563-3C66F65ACB3D}" type="datetimeFigureOut">
               <a:rPr lang="en-US" smtClean="0"/>
-              <a:t>8/9/2017</a:t>
+              <a:t>8/11/2017</a:t>
             </a:fld>
             <a:endParaRPr lang="en-US"/>
           </a:p>
@@ -422,7 +422,7 @@
           <a:p>
             <a:fld id="{E76C5E42-C277-4BC7-A563-3C66F65ACB3D}" type="datetimeFigureOut">
               <a:rPr lang="en-US" smtClean="0"/>
-              <a:t>8/9/2017</a:t>
+              <a:t>8/11/2017</a:t>
             </a:fld>
             <a:endParaRPr lang="en-US"/>
           </a:p>
@@ -602,7 +602,7 @@
           <a:p>
             <a:fld id="{E76C5E42-C277-4BC7-A563-3C66F65ACB3D}" type="datetimeFigureOut">
               <a:rPr lang="en-US" smtClean="0"/>
-              <a:t>8/9/2017</a:t>
+              <a:t>8/11/2017</a:t>
             </a:fld>
             <a:endParaRPr lang="en-US"/>
           </a:p>
@@ -963,7 +963,7 @@
           <a:p>
             <a:fld id="{E76C5E42-C277-4BC7-A563-3C66F65ACB3D}" type="datetimeFigureOut">
               <a:rPr lang="en-US" smtClean="0"/>
-              <a:t>8/9/2017</a:t>
+              <a:t>8/11/2017</a:t>
             </a:fld>
             <a:endParaRPr lang="en-US"/>
           </a:p>
@@ -1195,7 +1195,7 @@
           <a:p>
             <a:fld id="{E76C5E42-C277-4BC7-A563-3C66F65ACB3D}" type="datetimeFigureOut">
               <a:rPr lang="en-US" smtClean="0"/>
-              <a:t>8/9/2017</a:t>
+              <a:t>8/11/2017</a:t>
             </a:fld>
             <a:endParaRPr lang="en-US"/>
           </a:p>
@@ -1562,7 +1562,7 @@
           <a:p>
             <a:fld id="{E76C5E42-C277-4BC7-A563-3C66F65ACB3D}" type="datetimeFigureOut">
               <a:rPr lang="en-US" smtClean="0"/>
-              <a:t>8/9/2017</a:t>
+              <a:t>8/11/2017</a:t>
             </a:fld>
             <a:endParaRPr lang="en-US"/>
           </a:p>
@@ -1680,7 +1680,7 @@
           <a:p>
             <a:fld id="{E76C5E42-C277-4BC7-A563-3C66F65ACB3D}" type="datetimeFigureOut">
               <a:rPr lang="en-US" smtClean="0"/>
-              <a:t>8/9/2017</a:t>
+              <a:t>8/11/2017</a:t>
             </a:fld>
             <a:endParaRPr lang="en-US"/>
           </a:p>
@@ -1775,7 +1775,7 @@
           <a:p>
             <a:fld id="{E76C5E42-C277-4BC7-A563-3C66F65ACB3D}" type="datetimeFigureOut">
               <a:rPr lang="en-US" smtClean="0"/>
-              <a:t>8/9/2017</a:t>
+              <a:t>8/11/2017</a:t>
             </a:fld>
             <a:endParaRPr lang="en-US"/>
           </a:p>
@@ -2052,7 +2052,7 @@
           <a:p>
             <a:fld id="{E76C5E42-C277-4BC7-A563-3C66F65ACB3D}" type="datetimeFigureOut">
               <a:rPr lang="en-US" smtClean="0"/>
-              <a:t>8/9/2017</a:t>
+              <a:t>8/11/2017</a:t>
             </a:fld>
             <a:endParaRPr lang="en-US"/>
           </a:p>
@@ -2305,7 +2305,7 @@
           <a:p>
             <a:fld id="{E76C5E42-C277-4BC7-A563-3C66F65ACB3D}" type="datetimeFigureOut">
               <a:rPr lang="en-US" smtClean="0"/>
-              <a:t>8/9/2017</a:t>
+              <a:t>8/11/2017</a:t>
             </a:fld>
             <a:endParaRPr lang="en-US"/>
           </a:p>
@@ -2518,7 +2518,7 @@
           <a:p>
             <a:fld id="{E76C5E42-C277-4BC7-A563-3C66F65ACB3D}" type="datetimeFigureOut">
               <a:rPr lang="en-US" smtClean="0"/>
-              <a:t>8/9/2017</a:t>
+              <a:t>8/11/2017</a:t>
             </a:fld>
             <a:endParaRPr lang="en-US"/>
           </a:p>
@@ -2940,11 +2940,7 @@
           <a:p>
             <a:r>
               <a:rPr lang="en-US" dirty="0" smtClean="0"/>
-              <a:t>CAEX </a:t>
-            </a:r>
-            <a:r>
-              <a:rPr lang="en-US" dirty="0" smtClean="0"/>
-              <a:t>3.0</a:t>
+              <a:t>CAEX 3.0</a:t>
             </a:r>
             <a:endParaRPr lang="en-US" dirty="0"/>
           </a:p>
@@ -3968,35 +3964,6 @@
           </a:p>
         </p:txBody>
       </p:sp>
-      <p:pic>
-        <p:nvPicPr>
-          <p:cNvPr id="4" name="Inhaltsplatzhalter 3"/>
-          <p:cNvPicPr>
-            <a:picLocks noGrp="1" noChangeAspect="1"/>
-          </p:cNvPicPr>
-          <p:nvPr>
-            <p:ph idx="1"/>
-          </p:nvPr>
-        </p:nvPicPr>
-        <p:blipFill>
-          <a:blip r:embed="rId2" cstate="print">
-            <a:extLst>
-              <a:ext uri="{28A0092B-C50C-407E-A947-70E740481C1C}">
-                <a14:useLocalDpi xmlns:a14="http://schemas.microsoft.com/office/drawing/2010/main" val="0"/>
-              </a:ext>
-            </a:extLst>
-          </a:blip>
-          <a:stretch>
-            <a:fillRect/>
-          </a:stretch>
-        </p:blipFill>
-        <p:spPr>
-          <a:xfrm>
-            <a:off x="2087985" y="1058863"/>
-            <a:ext cx="7984280" cy="5559425"/>
-          </a:xfrm>
-        </p:spPr>
-      </p:pic>
       <p:sp>
         <p:nvSpPr>
           <p:cNvPr id="7" name="Abgerundetes Rechteck 6"/>
@@ -4056,6 +4023,35 @@
           </a:p>
         </p:txBody>
       </p:sp>
+      <p:pic>
+        <p:nvPicPr>
+          <p:cNvPr id="5" name="Inhaltsplatzhalter 4"/>
+          <p:cNvPicPr>
+            <a:picLocks noGrp="1" noChangeAspect="1"/>
+          </p:cNvPicPr>
+          <p:nvPr>
+            <p:ph idx="1"/>
+          </p:nvPr>
+        </p:nvPicPr>
+        <p:blipFill>
+          <a:blip r:embed="rId2" cstate="print">
+            <a:extLst>
+              <a:ext uri="{28A0092B-C50C-407E-A947-70E740481C1C}">
+                <a14:useLocalDpi xmlns:a14="http://schemas.microsoft.com/office/drawing/2010/main" val="0"/>
+              </a:ext>
+            </a:extLst>
+          </a:blip>
+          <a:stretch>
+            <a:fillRect/>
+          </a:stretch>
+        </p:blipFill>
+        <p:spPr>
+          <a:xfrm>
+            <a:off x="2087985" y="1058863"/>
+            <a:ext cx="7984280" cy="5559425"/>
+          </a:xfrm>
+        </p:spPr>
+      </p:pic>
     </p:spTree>
     <p:extLst>
       <p:ext uri="{BB962C8B-B14F-4D97-AF65-F5344CB8AC3E}">

--- a/documentation/CAEX30/CAEX30-Metamodel-Documentation.pptx
+++ b/documentation/CAEX30/CAEX30-Metamodel-Documentation.pptx
@@ -3022,35 +3022,6 @@
           </a:p>
         </p:txBody>
       </p:sp>
-      <p:pic>
-        <p:nvPicPr>
-          <p:cNvPr id="4" name="Inhaltsplatzhalter 3"/>
-          <p:cNvPicPr>
-            <a:picLocks noGrp="1" noChangeAspect="1"/>
-          </p:cNvPicPr>
-          <p:nvPr>
-            <p:ph idx="1"/>
-          </p:nvPr>
-        </p:nvPicPr>
-        <p:blipFill>
-          <a:blip r:embed="rId2" cstate="print">
-            <a:extLst>
-              <a:ext uri="{28A0092B-C50C-407E-A947-70E740481C1C}">
-                <a14:useLocalDpi xmlns:a14="http://schemas.microsoft.com/office/drawing/2010/main" val="0"/>
-              </a:ext>
-            </a:extLst>
-          </a:blip>
-          <a:stretch>
-            <a:fillRect/>
-          </a:stretch>
-        </p:blipFill>
-        <p:spPr>
-          <a:xfrm>
-            <a:off x="301625" y="1206745"/>
-            <a:ext cx="11557000" cy="5263660"/>
-          </a:xfrm>
-        </p:spPr>
-      </p:pic>
       <p:sp>
         <p:nvSpPr>
           <p:cNvPr id="8" name="Abgerundetes Rechteck 7"/>
@@ -3110,6 +3081,35 @@
           </a:p>
         </p:txBody>
       </p:sp>
+      <p:pic>
+        <p:nvPicPr>
+          <p:cNvPr id="5" name="Inhaltsplatzhalter 4"/>
+          <p:cNvPicPr>
+            <a:picLocks noGrp="1" noChangeAspect="1"/>
+          </p:cNvPicPr>
+          <p:nvPr>
+            <p:ph idx="1"/>
+          </p:nvPr>
+        </p:nvPicPr>
+        <p:blipFill>
+          <a:blip r:embed="rId2" cstate="print">
+            <a:extLst>
+              <a:ext uri="{28A0092B-C50C-407E-A947-70E740481C1C}">
+                <a14:useLocalDpi xmlns:a14="http://schemas.microsoft.com/office/drawing/2010/main" val="0"/>
+              </a:ext>
+            </a:extLst>
+          </a:blip>
+          <a:stretch>
+            <a:fillRect/>
+          </a:stretch>
+        </p:blipFill>
+        <p:spPr>
+          <a:xfrm>
+            <a:off x="301625" y="1206745"/>
+            <a:ext cx="11557000" cy="5263660"/>
+          </a:xfrm>
+        </p:spPr>
+      </p:pic>
     </p:spTree>
     <p:extLst>
       <p:ext uri="{BB962C8B-B14F-4D97-AF65-F5344CB8AC3E}">
@@ -3120,6 +3120,13 @@
   <p:clrMapOvr>
     <a:masterClrMapping/>
   </p:clrMapOvr>
+  <p:timing>
+    <p:tnLst>
+      <p:par>
+        <p:cTn id="1" dur="indefinite" restart="never" nodeType="tmRoot"/>
+      </p:par>
+    </p:tnLst>
+  </p:timing>
 </p:sld>
 </file>
 
